--- a/Prezentacja.pptx
+++ b/Prezentacja.pptx
@@ -5,7 +5,7 @@
     <p:sldMasterId id="2147483678" r:id="rId1"/>
   </p:sldMasterIdLst>
   <p:notesMasterIdLst>
-    <p:notesMasterId r:id="rId7"/>
+    <p:notesMasterId r:id="rId8"/>
   </p:notesMasterIdLst>
   <p:sldIdLst>
     <p:sldId id="256" r:id="rId2"/>
@@ -13,6 +13,7 @@
     <p:sldId id="258" r:id="rId4"/>
     <p:sldId id="259" r:id="rId5"/>
     <p:sldId id="260" r:id="rId6"/>
+    <p:sldId id="261" r:id="rId7"/>
   </p:sldIdLst>
   <p:sldSz cx="12192000" cy="6858000"/>
   <p:notesSz cx="6858000" cy="9144000"/>
@@ -113,7 +114,7 @@
   </p:defaultTextStyle>
   <p:extLst>
     <p:ext uri="{EFAFB233-063F-42B5-8137-9DF3F51BA10A}">
-      <p15:sldGuideLst xmlns:p15="http://schemas.microsoft.com/office/powerpoint/2012/main"/>
+      <p15:sldGuideLst xmlns:p15="http://schemas.microsoft.com/office/powerpoint/2012/main" xmlns=""/>
     </p:ext>
   </p:extLst>
 </p:presentation>
@@ -201,7 +202,7 @@
           <a:p>
             <a:fld id="{FCBAEF4E-5848-40CB-8809-08B437C0D1D5}" type="datetimeFigureOut">
               <a:rPr lang="pl-PL"/>
-              <a:t>2016-01-11</a:t>
+              <a:t>2016-01-13</a:t>
             </a:fld>
             <a:endParaRPr lang="pl-PL"/>
           </a:p>
@@ -533,7 +534,7 @@
           <a:p>
             <a:fld id="{0E8489A5-392E-4482-9D33-2D2D6E01796C}" type="slidenum">
               <a:rPr lang="pl-PL"/>
-              <a:t>‹#›</a:t>
+              <a:t>1</a:t>
             </a:fld>
             <a:endParaRPr lang="pl-PL"/>
           </a:p>
@@ -617,7 +618,7 @@
           <a:p>
             <a:fld id="{0E8489A5-392E-4482-9D33-2D2D6E01796C}" type="slidenum">
               <a:rPr lang="pl-PL"/>
-              <a:t>‹#›</a:t>
+              <a:t>2</a:t>
             </a:fld>
             <a:endParaRPr lang="pl-PL"/>
           </a:p>
@@ -701,7 +702,7 @@
           <a:p>
             <a:fld id="{0E8489A5-392E-4482-9D33-2D2D6E01796C}" type="slidenum">
               <a:rPr lang="pl-PL"/>
-              <a:t>‹#›</a:t>
+              <a:t>3</a:t>
             </a:fld>
             <a:endParaRPr lang="pl-PL"/>
           </a:p>
@@ -785,7 +786,7 @@
           <a:p>
             <a:fld id="{0E8489A5-392E-4482-9D33-2D2D6E01796C}" type="slidenum">
               <a:rPr lang="pl-PL"/>
-              <a:t>‹#›</a:t>
+              <a:t>4</a:t>
             </a:fld>
             <a:endParaRPr lang="pl-PL"/>
           </a:p>
@@ -869,7 +870,7 @@
           <a:p>
             <a:fld id="{0E8489A5-392E-4482-9D33-2D2D6E01796C}" type="slidenum">
               <a:rPr lang="pl-PL"/>
-              <a:t>‹#›</a:t>
+              <a:t>5</a:t>
             </a:fld>
             <a:endParaRPr lang="pl-PL"/>
           </a:p>
@@ -1019,7 +1020,7 @@
           <a:p>
             <a:fld id="{F98AA868-8872-43E4-8C98-D34DABD1FD38}" type="datetimeFigureOut">
               <a:rPr lang="pl-PL" smtClean="0"/>
-              <a:t>2016-01-11</a:t>
+              <a:t>2016-01-13</a:t>
             </a:fld>
             <a:endParaRPr lang="pl-PL"/>
           </a:p>
@@ -1189,7 +1190,7 @@
           <a:p>
             <a:fld id="{F98AA868-8872-43E4-8C98-D34DABD1FD38}" type="datetimeFigureOut">
               <a:rPr lang="pl-PL" smtClean="0"/>
-              <a:t>2016-01-11</a:t>
+              <a:t>2016-01-13</a:t>
             </a:fld>
             <a:endParaRPr lang="pl-PL"/>
           </a:p>
@@ -1369,7 +1370,7 @@
           <a:p>
             <a:fld id="{F98AA868-8872-43E4-8C98-D34DABD1FD38}" type="datetimeFigureOut">
               <a:rPr lang="pl-PL" smtClean="0"/>
-              <a:t>2016-01-11</a:t>
+              <a:t>2016-01-13</a:t>
             </a:fld>
             <a:endParaRPr lang="pl-PL"/>
           </a:p>
@@ -1539,7 +1540,7 @@
           <a:p>
             <a:fld id="{F98AA868-8872-43E4-8C98-D34DABD1FD38}" type="datetimeFigureOut">
               <a:rPr lang="pl-PL" smtClean="0"/>
-              <a:t>2016-01-11</a:t>
+              <a:t>2016-01-13</a:t>
             </a:fld>
             <a:endParaRPr lang="pl-PL"/>
           </a:p>
@@ -1785,7 +1786,7 @@
           <a:p>
             <a:fld id="{F98AA868-8872-43E4-8C98-D34DABD1FD38}" type="datetimeFigureOut">
               <a:rPr lang="pl-PL" smtClean="0"/>
-              <a:t>2016-01-11</a:t>
+              <a:t>2016-01-13</a:t>
             </a:fld>
             <a:endParaRPr lang="pl-PL"/>
           </a:p>
@@ -2017,7 +2018,7 @@
           <a:p>
             <a:fld id="{F98AA868-8872-43E4-8C98-D34DABD1FD38}" type="datetimeFigureOut">
               <a:rPr lang="pl-PL" smtClean="0"/>
-              <a:t>2016-01-11</a:t>
+              <a:t>2016-01-13</a:t>
             </a:fld>
             <a:endParaRPr lang="pl-PL"/>
           </a:p>
@@ -2384,7 +2385,7 @@
           <a:p>
             <a:fld id="{F98AA868-8872-43E4-8C98-D34DABD1FD38}" type="datetimeFigureOut">
               <a:rPr lang="pl-PL" smtClean="0"/>
-              <a:t>2016-01-11</a:t>
+              <a:t>2016-01-13</a:t>
             </a:fld>
             <a:endParaRPr lang="pl-PL"/>
           </a:p>
@@ -2502,7 +2503,7 @@
           <a:p>
             <a:fld id="{F98AA868-8872-43E4-8C98-D34DABD1FD38}" type="datetimeFigureOut">
               <a:rPr lang="pl-PL" smtClean="0"/>
-              <a:t>2016-01-11</a:t>
+              <a:t>2016-01-13</a:t>
             </a:fld>
             <a:endParaRPr lang="pl-PL"/>
           </a:p>
@@ -2597,7 +2598,7 @@
           <a:p>
             <a:fld id="{F98AA868-8872-43E4-8C98-D34DABD1FD38}" type="datetimeFigureOut">
               <a:rPr lang="pl-PL" smtClean="0"/>
-              <a:t>2016-01-11</a:t>
+              <a:t>2016-01-13</a:t>
             </a:fld>
             <a:endParaRPr lang="pl-PL"/>
           </a:p>
@@ -2874,7 +2875,7 @@
           <a:p>
             <a:fld id="{F98AA868-8872-43E4-8C98-D34DABD1FD38}" type="datetimeFigureOut">
               <a:rPr lang="pl-PL" smtClean="0"/>
-              <a:t>2016-01-11</a:t>
+              <a:t>2016-01-13</a:t>
             </a:fld>
             <a:endParaRPr lang="pl-PL"/>
           </a:p>
@@ -3131,7 +3132,7 @@
           <a:p>
             <a:fld id="{F98AA868-8872-43E4-8C98-D34DABD1FD38}" type="datetimeFigureOut">
               <a:rPr lang="pl-PL" smtClean="0"/>
-              <a:t>2016-01-11</a:t>
+              <a:t>2016-01-13</a:t>
             </a:fld>
             <a:endParaRPr lang="pl-PL"/>
           </a:p>
@@ -3344,7 +3345,7 @@
           <a:p>
             <a:fld id="{F98AA868-8872-43E4-8C98-D34DABD1FD38}" type="datetimeFigureOut">
               <a:rPr lang="pl-PL" smtClean="0"/>
-              <a:t>2016-01-11</a:t>
+              <a:t>2016-01-13</a:t>
             </a:fld>
             <a:endParaRPr lang="pl-PL"/>
           </a:p>
@@ -3768,7 +3769,6 @@
               <a:rPr lang="pl-PL" dirty="0"/>
               <a:t>Bridge Pattern</a:t>
             </a:r>
-            <a:endParaRPr lang="pl-PL" dirty="0"/>
           </a:p>
         </p:txBody>
       </p:sp>
@@ -3796,169 +3796,7 @@
                 </a:solidFill>
                 <a:latin typeface="Calibri" charset="0"/>
               </a:rPr>
-              <a:t>Bridge </a:t>
-            </a:r>
-            <a:r>
-              <a:rPr lang="en-US" dirty="0">
-                <a:solidFill>
-                  <a:srgbClr val="212121"/>
-                </a:solidFill>
-                <a:latin typeface="Calibri" charset="0"/>
-              </a:rPr>
-              <a:t>Pattern</a:t>
-            </a:r>
-            <a:r>
-              <a:rPr lang="en-US" dirty="0">
-                <a:solidFill>
-                  <a:srgbClr val="212121"/>
-                </a:solidFill>
-                <a:latin typeface="Calibri" charset="0"/>
-              </a:rPr>
-              <a:t> </a:t>
-            </a:r>
-            <a:r>
-              <a:rPr lang="en-US" dirty="0">
-                <a:solidFill>
-                  <a:srgbClr val="212121"/>
-                </a:solidFill>
-                <a:latin typeface="Calibri" charset="0"/>
-              </a:rPr>
-              <a:t>bridges</a:t>
-            </a:r>
-            <a:r>
-              <a:rPr lang="en-US" dirty="0">
-                <a:solidFill>
-                  <a:srgbClr val="212121"/>
-                </a:solidFill>
-                <a:latin typeface="Calibri" charset="0"/>
-              </a:rPr>
-              <a:t> </a:t>
-            </a:r>
-            <a:r>
-              <a:rPr lang="en-US" dirty="0">
-                <a:solidFill>
-                  <a:srgbClr val="212121"/>
-                </a:solidFill>
-                <a:latin typeface="Calibri" charset="0"/>
-              </a:rPr>
-              <a:t>abstraction</a:t>
-            </a:r>
-            <a:r>
-              <a:rPr lang="en-US" dirty="0">
-                <a:solidFill>
-                  <a:srgbClr val="212121"/>
-                </a:solidFill>
-                <a:latin typeface="Calibri" charset="0"/>
-              </a:rPr>
-              <a:t> and </a:t>
-            </a:r>
-            <a:r>
-              <a:rPr lang="en-US" dirty="0">
-                <a:solidFill>
-                  <a:srgbClr val="212121"/>
-                </a:solidFill>
-                <a:latin typeface="Calibri" charset="0"/>
-              </a:rPr>
-              <a:t>it's</a:t>
-            </a:r>
-            <a:r>
-              <a:rPr lang="en-US" dirty="0">
-                <a:solidFill>
-                  <a:srgbClr val="212121"/>
-                </a:solidFill>
-                <a:latin typeface="Calibri" charset="0"/>
-              </a:rPr>
-              <a:t> </a:t>
-            </a:r>
-            <a:r>
-              <a:rPr lang="en-US" dirty="0">
-                <a:solidFill>
-                  <a:srgbClr val="212121"/>
-                </a:solidFill>
-                <a:latin typeface="Calibri" charset="0"/>
-              </a:rPr>
-              <a:t>implementation</a:t>
-            </a:r>
-            <a:r>
-              <a:rPr lang="en-US" dirty="0">
-                <a:solidFill>
-                  <a:srgbClr val="212121"/>
-                </a:solidFill>
-                <a:latin typeface="Calibri" charset="0"/>
-              </a:rPr>
-              <a:t>, </a:t>
-            </a:r>
-            <a:r>
-              <a:rPr lang="en-US" dirty="0">
-                <a:solidFill>
-                  <a:srgbClr val="212121"/>
-                </a:solidFill>
-                <a:latin typeface="Calibri" charset="0"/>
-              </a:rPr>
-              <a:t>letting</a:t>
-            </a:r>
-            <a:r>
-              <a:rPr lang="en-US" dirty="0">
-                <a:solidFill>
-                  <a:srgbClr val="212121"/>
-                </a:solidFill>
-                <a:latin typeface="Calibri" charset="0"/>
-              </a:rPr>
-              <a:t> </a:t>
-            </a:r>
-            <a:r>
-              <a:rPr lang="en-US" dirty="0">
-                <a:solidFill>
-                  <a:srgbClr val="212121"/>
-                </a:solidFill>
-                <a:latin typeface="Calibri" charset="0"/>
-              </a:rPr>
-              <a:t>them</a:t>
-            </a:r>
-            <a:r>
-              <a:rPr lang="en-US" dirty="0">
-                <a:solidFill>
-                  <a:srgbClr val="212121"/>
-                </a:solidFill>
-                <a:latin typeface="Calibri" charset="0"/>
-              </a:rPr>
-              <a:t> </a:t>
-            </a:r>
-            <a:r>
-              <a:rPr lang="en-US" dirty="0">
-                <a:solidFill>
-                  <a:srgbClr val="212121"/>
-                </a:solidFill>
-                <a:latin typeface="Calibri" charset="0"/>
-              </a:rPr>
-              <a:t>vary</a:t>
-            </a:r>
-            <a:r>
-              <a:rPr lang="en-US" dirty="0">
-                <a:solidFill>
-                  <a:srgbClr val="212121"/>
-                </a:solidFill>
-                <a:latin typeface="Calibri" charset="0"/>
-              </a:rPr>
-              <a:t> </a:t>
-            </a:r>
-            <a:r>
-              <a:rPr lang="en-US" dirty="0">
-                <a:solidFill>
-                  <a:srgbClr val="212121"/>
-                </a:solidFill>
-                <a:latin typeface="Calibri" charset="0"/>
-              </a:rPr>
-              <a:t>independently</a:t>
-            </a:r>
-            <a:r>
-              <a:rPr lang="en-US" dirty="0">
-                <a:solidFill>
-                  <a:srgbClr val="212121"/>
-                </a:solidFill>
-                <a:latin typeface="Calibri" charset="0"/>
-              </a:rPr>
-              <a:t>.</a:t>
+              <a:t>Bridge Pattern bridges abstraction and it's implementation, letting them vary independently.</a:t>
             </a:r>
             <a:endParaRPr lang="pl-PL" dirty="0">
               <a:solidFill>
@@ -3992,6 +3830,13 @@
   <p:clrMapOvr>
     <a:masterClrMapping/>
   </p:clrMapOvr>
+  <p:timing>
+    <p:tnLst>
+      <p:par>
+        <p:cTn id="1" dur="indefinite" restart="never" nodeType="tmRoot"/>
+      </p:par>
+    </p:tnLst>
+  </p:timing>
 </p:sld>
 </file>
 
@@ -4027,12 +3872,17 @@
           <a:bodyPr/>
           <a:lstStyle/>
           <a:p>
-            <a:r>
-              <a:rPr lang="pl-PL" dirty="0"/>
-              <a:t>Use </a:t>
-            </a:r>
-            <a:r>
-              <a:rPr lang="pl-PL" dirty="0" err="1"/>
+            <a:pPr algn="ctr"/>
+            <a:r>
+              <a:rPr lang="pl-PL" dirty="0" smtClean="0"/>
+              <a:t>Use</a:t>
+            </a:r>
+            <a:r>
+              <a:rPr lang="en-US" dirty="0" smtClean="0"/>
+              <a:t> </a:t>
+            </a:r>
+            <a:r>
+              <a:rPr lang="pl-PL" dirty="0" smtClean="0"/>
               <a:t>cases</a:t>
             </a:r>
             <a:endParaRPr lang="pl-PL" dirty="0"/>
@@ -4049,7 +3899,12 @@
             <p:ph idx="1"/>
           </p:nvPr>
         </p:nvSpPr>
-        <p:spPr/>
+        <p:spPr>
+          <a:xfrm>
+            <a:off x="838200" y="2030907"/>
+            <a:ext cx="10515600" cy="4351338"/>
+          </a:xfrm>
+        </p:spPr>
         <p:txBody>
           <a:bodyPr vert="horz" lIns="91440" tIns="45720" rIns="91440" bIns="45720" rtlCol="0" anchor="t">
             <a:normAutofit/>
@@ -4136,19 +3991,10 @@
                 </a:solidFill>
                 <a:latin typeface="Calibri" charset="0"/>
               </a:rPr>
-              <a:t>open for </a:t>
-            </a:r>
-            <a:r>
-              <a:rPr lang="pl-PL" dirty="0" err="1">
-                <a:solidFill>
-                  <a:srgbClr val="212121"/>
-                </a:solidFill>
-                <a:latin typeface="Calibri" charset="0"/>
-              </a:rPr>
-              <a:t>changes</a:t>
-            </a:r>
-            <a:r>
-              <a:rPr lang="pl-PL" dirty="0">
+              <a:t>open for changes</a:t>
+            </a:r>
+            <a:r>
+              <a:rPr lang="pl-PL" dirty="0" smtClean="0">
                 <a:solidFill>
                   <a:srgbClr val="212121"/>
                 </a:solidFill>
@@ -4156,8 +4002,34 @@
               </a:rPr>
               <a:t>,</a:t>
             </a:r>
-          </a:p>
-          <a:p>
+            <a:endParaRPr lang="en-US" dirty="0" smtClean="0">
+              <a:solidFill>
+                <a:srgbClr val="212121"/>
+              </a:solidFill>
+              <a:latin typeface="Calibri" charset="0"/>
+            </a:endParaRPr>
+          </a:p>
+          <a:p>
+            <a:r>
+              <a:rPr lang="en-US" dirty="0" smtClean="0">
+                <a:solidFill>
+                  <a:srgbClr val="212121"/>
+                </a:solidFill>
+                <a:latin typeface="Calibri" charset="0"/>
+              </a:rPr>
+              <a:t>Changes/new functionalities don’t affect existing code.</a:t>
+            </a:r>
+            <a:endParaRPr lang="pl-PL" dirty="0">
+              <a:solidFill>
+                <a:srgbClr val="212121"/>
+              </a:solidFill>
+              <a:latin typeface="Calibri" charset="0"/>
+            </a:endParaRPr>
+          </a:p>
+          <a:p>
+            <a:pPr marL="0" indent="0">
+              <a:buNone/>
+            </a:pPr>
             <a:endParaRPr lang="pl-PL" dirty="0"/>
           </a:p>
         </p:txBody>
@@ -4172,6 +4044,13 @@
   <p:clrMapOvr>
     <a:masterClrMapping/>
   </p:clrMapOvr>
+  <p:timing>
+    <p:tnLst>
+      <p:par>
+        <p:cTn id="1" dur="indefinite" restart="never" nodeType="tmRoot"/>
+      </p:par>
+    </p:tnLst>
+  </p:timing>
 </p:sld>
 </file>
 
@@ -4214,7 +4093,25 @@
                 </a:solidFill>
                 <a:latin typeface="Calibri" charset="0"/>
               </a:rPr>
-              <a:t>Bridge pattern structure (Design Patterns: Elements of reusable software)</a:t>
+              <a:t>Bridge pattern structure (</a:t>
+            </a:r>
+            <a:r>
+              <a:rPr lang="en-US" sz="4000" i="1" dirty="0">
+                <a:solidFill>
+                  <a:srgbClr val="212121"/>
+                </a:solidFill>
+                <a:latin typeface="Calibri" charset="0"/>
+              </a:rPr>
+              <a:t>Design Patterns: Elements of reusable software</a:t>
+            </a:r>
+            <a:r>
+              <a:rPr lang="en-US" dirty="0">
+                <a:solidFill>
+                  <a:srgbClr val="212121"/>
+                </a:solidFill>
+                <a:latin typeface="Calibri" charset="0"/>
+              </a:rPr>
+              <a:t>)</a:t>
             </a:r>
             <a:endParaRPr lang="pl-PL" dirty="0">
               <a:solidFill>
@@ -4258,6 +4155,13 @@
   <p:clrMapOvr>
     <a:masterClrMapping/>
   </p:clrMapOvr>
+  <p:timing>
+    <p:tnLst>
+      <p:par>
+        <p:cTn id="1" dur="indefinite" restart="never" nodeType="tmRoot"/>
+      </p:par>
+    </p:tnLst>
+  </p:timing>
 </p:sld>
 </file>
 
@@ -4293,6 +4197,7 @@
           <a:bodyPr/>
           <a:lstStyle/>
           <a:p>
+            <a:pPr algn="ctr"/>
             <a:r>
               <a:rPr lang="pl-PL" dirty="0" err="1"/>
               <a:t>Elements</a:t>
@@ -4310,7 +4215,12 @@
             <p:ph idx="1"/>
           </p:nvPr>
         </p:nvSpPr>
-        <p:spPr/>
+        <p:spPr>
+          <a:xfrm>
+            <a:off x="838200" y="2068231"/>
+            <a:ext cx="10515600" cy="4351338"/>
+          </a:xfrm>
+        </p:spPr>
         <p:txBody>
           <a:bodyPr vert="horz" lIns="91440" tIns="45720" rIns="91440" bIns="45720" rtlCol="0" anchor="t">
             <a:normAutofit/>
@@ -4319,18 +4229,54 @@
           <a:p>
             <a:pPr marL="0" indent="0">
               <a:lnSpc>
-                <a:spcPct val="200000"/>
+                <a:spcPct val="100000"/>
               </a:lnSpc>
               <a:buNone/>
             </a:pPr>
             <a:r>
-              <a:rPr lang="pl-PL" dirty="0" err="1">
+              <a:rPr lang="pl-PL" b="1" dirty="0" smtClean="0">
                 <a:solidFill>
                   <a:srgbClr val="212121"/>
                 </a:solidFill>
                 <a:latin typeface="Calibri" charset="0"/>
               </a:rPr>
               <a:t>Abstraction</a:t>
+            </a:r>
+            <a:r>
+              <a:rPr lang="en-US" b="1" dirty="0" smtClean="0">
+                <a:solidFill>
+                  <a:srgbClr val="212121"/>
+                </a:solidFill>
+                <a:latin typeface="Calibri" charset="0"/>
+              </a:rPr>
+              <a:t>: </a:t>
+            </a:r>
+            <a:r>
+              <a:rPr lang="en-US" dirty="0" smtClean="0">
+                <a:solidFill>
+                  <a:srgbClr val="212121"/>
+                </a:solidFill>
+                <a:latin typeface="Calibri" charset="0"/>
+              </a:rPr>
+              <a:t>Defines API used by client. Maintenance reference to the </a:t>
+            </a:r>
+            <a:r>
+              <a:rPr lang="en-US" dirty="0" err="1" smtClean="0">
+                <a:solidFill>
+                  <a:srgbClr val="212121"/>
+                </a:solidFill>
+                <a:latin typeface="Calibri" charset="0"/>
+              </a:rPr>
+              <a:t>implementator</a:t>
+            </a:r>
+            <a:r>
+              <a:rPr lang="en-US" dirty="0" smtClean="0">
+                <a:solidFill>
+                  <a:srgbClr val="212121"/>
+                </a:solidFill>
+                <a:latin typeface="Calibri" charset="0"/>
+              </a:rPr>
+              <a:t>. </a:t>
             </a:r>
             <a:endParaRPr lang="pl-PL" dirty="0">
               <a:solidFill>
@@ -4347,13 +4293,49 @@
               <a:buNone/>
             </a:pPr>
             <a:r>
-              <a:rPr lang="pl-PL" dirty="0" err="1">
+              <a:rPr lang="pl-PL" b="1" dirty="0" smtClean="0">
                 <a:solidFill>
                   <a:srgbClr val="212121"/>
                 </a:solidFill>
                 <a:latin typeface="Calibri" charset="0"/>
               </a:rPr>
               <a:t>Implementator</a:t>
+            </a:r>
+            <a:r>
+              <a:rPr lang="en-US" b="1" dirty="0" smtClean="0">
+                <a:solidFill>
+                  <a:srgbClr val="212121"/>
+                </a:solidFill>
+                <a:latin typeface="Calibri" charset="0"/>
+              </a:rPr>
+              <a:t>: </a:t>
+            </a:r>
+            <a:r>
+              <a:rPr lang="en-US" dirty="0" smtClean="0">
+                <a:solidFill>
+                  <a:srgbClr val="212121"/>
+                </a:solidFill>
+                <a:latin typeface="Calibri" charset="0"/>
+              </a:rPr>
+              <a:t>Provides rules for concrete </a:t>
+            </a:r>
+            <a:r>
+              <a:rPr lang="en-US" dirty="0" err="1" smtClean="0">
+                <a:solidFill>
+                  <a:srgbClr val="212121"/>
+                </a:solidFill>
+                <a:latin typeface="Calibri" charset="0"/>
+              </a:rPr>
+              <a:t>implementators</a:t>
+            </a:r>
+            <a:r>
+              <a:rPr lang="en-US" dirty="0" smtClean="0">
+                <a:solidFill>
+                  <a:srgbClr val="212121"/>
+                </a:solidFill>
+                <a:latin typeface="Calibri" charset="0"/>
+              </a:rPr>
+              <a:t>.</a:t>
             </a:r>
             <a:endParaRPr lang="pl-PL" dirty="0">
               <a:solidFill>
@@ -4365,36 +4347,63 @@
           <a:p>
             <a:pPr marL="0" indent="0">
               <a:lnSpc>
-                <a:spcPct val="200000"/>
+                <a:spcPct val="100000"/>
               </a:lnSpc>
               <a:buNone/>
             </a:pPr>
             <a:r>
-              <a:rPr lang="pl-PL" dirty="0" err="1">
+              <a:rPr lang="pl-PL" b="1" dirty="0">
                 <a:solidFill>
                   <a:srgbClr val="212121"/>
                 </a:solidFill>
                 <a:latin typeface="Calibri" charset="0"/>
               </a:rPr>
-              <a:t>Concrete</a:t>
-            </a:r>
-            <a:r>
-              <a:rPr lang="pl-PL" dirty="0">
-                <a:solidFill>
-                  <a:srgbClr val="212121"/>
-                </a:solidFill>
-                <a:latin typeface="Calibri" charset="0"/>
-              </a:rPr>
-              <a:t> </a:t>
-            </a:r>
-            <a:r>
-              <a:rPr lang="pl-PL" dirty="0" err="1">
+              <a:t>Concrete </a:t>
+            </a:r>
+            <a:r>
+              <a:rPr lang="pl-PL" b="1" dirty="0" smtClean="0">
                 <a:solidFill>
                   <a:srgbClr val="212121"/>
                 </a:solidFill>
                 <a:latin typeface="Calibri" charset="0"/>
               </a:rPr>
               <a:t>Implementator</a:t>
+            </a:r>
+            <a:r>
+              <a:rPr lang="en-US" b="1" dirty="0" smtClean="0">
+                <a:solidFill>
+                  <a:srgbClr val="212121"/>
+                </a:solidFill>
+                <a:latin typeface="Calibri" charset="0"/>
+              </a:rPr>
+              <a:t>: </a:t>
+            </a:r>
+            <a:r>
+              <a:rPr lang="en-US" dirty="0" smtClean="0">
+                <a:solidFill>
+                  <a:srgbClr val="212121"/>
+                </a:solidFill>
+                <a:latin typeface="Calibri" charset="0"/>
+              </a:rPr>
+              <a:t>Concrete representation of the </a:t>
+            </a:r>
+            <a:r>
+              <a:rPr lang="en-US" dirty="0" err="1" smtClean="0">
+                <a:solidFill>
+                  <a:srgbClr val="212121"/>
+                </a:solidFill>
+                <a:latin typeface="Calibri" charset="0"/>
+              </a:rPr>
+              <a:t>Implementator</a:t>
+            </a:r>
+            <a:r>
+              <a:rPr lang="en-US" dirty="0" smtClean="0">
+                <a:solidFill>
+                  <a:srgbClr val="212121"/>
+                </a:solidFill>
+                <a:latin typeface="Calibri" charset="0"/>
+              </a:rPr>
+              <a:t>.</a:t>
             </a:r>
             <a:endParaRPr lang="pl-PL" dirty="0">
               <a:solidFill>
@@ -4419,6 +4428,13 @@
   <p:clrMapOvr>
     <a:masterClrMapping/>
   </p:clrMapOvr>
+  <p:timing>
+    <p:tnLst>
+      <p:par>
+        <p:cTn id="1" dur="indefinite" restart="never" nodeType="tmRoot"/>
+      </p:par>
+    </p:tnLst>
+  </p:timing>
 </p:sld>
 </file>
 
@@ -4454,6 +4470,7 @@
           <a:bodyPr/>
           <a:lstStyle/>
           <a:p>
+            <a:pPr algn="ctr"/>
             <a:r>
               <a:rPr lang="pl-PL" dirty="0" err="1"/>
               <a:t>Elements</a:t>
@@ -4472,7 +4489,12 @@
             <p:ph idx="1"/>
           </p:nvPr>
         </p:nvSpPr>
-        <p:spPr/>
+        <p:spPr>
+          <a:xfrm>
+            <a:off x="838200" y="1965590"/>
+            <a:ext cx="10515600" cy="4351338"/>
+          </a:xfrm>
+        </p:spPr>
         <p:txBody>
           <a:bodyPr vert="horz" lIns="91440" tIns="45720" rIns="91440" bIns="45720" rtlCol="0" anchor="t">
             <a:normAutofit/>
@@ -4483,13 +4505,40 @@
               <a:buNone/>
             </a:pPr>
             <a:r>
-              <a:rPr lang="en-US" dirty="0">
+              <a:rPr lang="en-US" b="1" dirty="0">
                 <a:solidFill>
                   <a:srgbClr val="212121"/>
                 </a:solidFill>
                 <a:latin typeface="Calibri" charset="0"/>
               </a:rPr>
-              <a:t>Refined Abstraction: implements abstraction. Add specific implementation one level higher.  </a:t>
+              <a:t>Refined Abstraction: </a:t>
+            </a:r>
+            <a:r>
+              <a:rPr lang="en-US" dirty="0">
+                <a:solidFill>
+                  <a:srgbClr val="212121"/>
+                </a:solidFill>
+                <a:latin typeface="Calibri" charset="0"/>
+              </a:rPr>
+              <a:t>implements abstraction. Add </a:t>
+            </a:r>
+            <a:r>
+              <a:rPr lang="en-US" dirty="0" smtClean="0">
+                <a:solidFill>
+                  <a:srgbClr val="212121"/>
+                </a:solidFill>
+                <a:latin typeface="Calibri" charset="0"/>
+              </a:rPr>
+              <a:t>specific implementation </a:t>
+            </a:r>
+            <a:r>
+              <a:rPr lang="en-US" dirty="0">
+                <a:solidFill>
+                  <a:srgbClr val="212121"/>
+                </a:solidFill>
+                <a:latin typeface="Calibri" charset="0"/>
+              </a:rPr>
+              <a:t>one level higher.  </a:t>
             </a:r>
             <a:endParaRPr lang="pl-PL" dirty="0">
               <a:solidFill>
@@ -4524,7 +4573,7 @@
               <a:t>Can implements low level functions from abstractions and run inside some functions specified by the </a:t>
             </a:r>
             <a:r>
-              <a:rPr lang="en-US" dirty="0" err="1">
+              <a:rPr lang="en-US" dirty="0">
                 <a:solidFill>
                   <a:srgbClr val="212121"/>
                 </a:solidFill>
@@ -4563,7 +4612,7 @@
               <a:t>Can implements high level functions from abstraction and add high level functionality which is different than in </a:t>
             </a:r>
             <a:r>
-              <a:rPr lang="en-US" dirty="0" err="1">
+              <a:rPr lang="en-US" dirty="0">
                 <a:solidFill>
                   <a:srgbClr val="212121"/>
                 </a:solidFill>
@@ -4602,6 +4651,116 @@
   <p:clrMapOvr>
     <a:masterClrMapping/>
   </p:clrMapOvr>
+  <p:timing>
+    <p:tnLst>
+      <p:par>
+        <p:cTn id="1" dur="indefinite" restart="never" nodeType="tmRoot"/>
+      </p:par>
+    </p:tnLst>
+  </p:timing>
+</p:sld>
+</file>
+
+<file path=ppt/slides/slide6.xml><?xml version="1.0" encoding="utf-8"?>
+<p:sld xmlns:a="http://schemas.openxmlformats.org/drawingml/2006/main" xmlns:r="http://schemas.openxmlformats.org/officeDocument/2006/relationships" xmlns:p="http://schemas.openxmlformats.org/presentationml/2006/main">
+  <p:cSld>
+    <p:spTree>
+      <p:nvGrpSpPr>
+        <p:cNvPr id="1" name=""/>
+        <p:cNvGrpSpPr/>
+        <p:nvPr/>
+      </p:nvGrpSpPr>
+      <p:grpSpPr>
+        <a:xfrm>
+          <a:off x="0" y="0"/>
+          <a:ext cx="0" cy="0"/>
+          <a:chOff x="0" y="0"/>
+          <a:chExt cx="0" cy="0"/>
+        </a:xfrm>
+      </p:grpSpPr>
+      <p:sp>
+        <p:nvSpPr>
+          <p:cNvPr id="2" name="Title 1"/>
+          <p:cNvSpPr>
+            <a:spLocks noGrp="1"/>
+          </p:cNvSpPr>
+          <p:nvPr>
+            <p:ph type="title"/>
+          </p:nvPr>
+        </p:nvSpPr>
+        <p:spPr/>
+        <p:txBody>
+          <a:bodyPr/>
+          <a:lstStyle/>
+          <a:p>
+            <a:pPr algn="ctr"/>
+            <a:r>
+              <a:rPr lang="en-US" dirty="0" smtClean="0"/>
+              <a:t>Real life examples</a:t>
+            </a:r>
+            <a:endParaRPr lang="en-US" dirty="0"/>
+          </a:p>
+        </p:txBody>
+      </p:sp>
+      <p:sp>
+        <p:nvSpPr>
+          <p:cNvPr id="3" name="Content Placeholder 2"/>
+          <p:cNvSpPr>
+            <a:spLocks noGrp="1"/>
+          </p:cNvSpPr>
+          <p:nvPr>
+            <p:ph idx="1"/>
+          </p:nvPr>
+        </p:nvSpPr>
+        <p:spPr>
+          <a:xfrm>
+            <a:off x="838200" y="2086893"/>
+            <a:ext cx="10515600" cy="4351338"/>
+          </a:xfrm>
+        </p:spPr>
+        <p:txBody>
+          <a:bodyPr/>
+          <a:lstStyle/>
+          <a:p>
+            <a:r>
+              <a:rPr lang="en-US" dirty="0" smtClean="0"/>
+              <a:t>Socket class from </a:t>
+            </a:r>
+            <a:r>
+              <a:rPr lang="en-US" dirty="0"/>
+              <a:t>java.net</a:t>
+            </a:r>
+          </a:p>
+          <a:p>
+            <a:r>
+              <a:rPr lang="en-US" dirty="0" smtClean="0"/>
+              <a:t>Button from </a:t>
+            </a:r>
+            <a:r>
+              <a:rPr lang="en-US" dirty="0" err="1" smtClean="0"/>
+              <a:t>java.awt</a:t>
+            </a:r>
+            <a:endParaRPr lang="en-US" dirty="0"/>
+          </a:p>
+        </p:txBody>
+      </p:sp>
+    </p:spTree>
+    <p:extLst>
+      <p:ext uri="{BB962C8B-B14F-4D97-AF65-F5344CB8AC3E}">
+        <p14:creationId xmlns:p14="http://schemas.microsoft.com/office/powerpoint/2010/main" val="2782734047"/>
+      </p:ext>
+    </p:extLst>
+  </p:cSld>
+  <p:clrMapOvr>
+    <a:masterClrMapping/>
+  </p:clrMapOvr>
+  <p:timing>
+    <p:tnLst>
+      <p:par>
+        <p:cTn id="1" dur="indefinite" restart="never" nodeType="tmRoot"/>
+      </p:par>
+    </p:tnLst>
+  </p:timing>
 </p:sld>
 </file>
 
@@ -4860,7 +5019,7 @@
   <a:extraClrSchemeLst/>
   <a:extLst>
     <a:ext uri="{05A4C25C-085E-4340-85A3-A5531E510DB2}">
-      <thm15:themeFamily xmlns:thm15="http://schemas.microsoft.com/office/thememl/2012/main" name="Office Theme" id="{62F939B6-93AF-4DB8-9C6B-D6C7DFDC589F}" vid="{4A3C46E8-61CC-4603-A589-7422A47A8E4A}"/>
+      <thm15:themeFamily xmlns:thm15="http://schemas.microsoft.com/office/thememl/2012/main" xmlns="" name="Office Theme" id="{62F939B6-93AF-4DB8-9C6B-D6C7DFDC589F}" vid="{4A3C46E8-61CC-4603-A589-7422A47A8E4A}"/>
     </a:ext>
   </a:extLst>
 </a:theme>
@@ -5121,7 +5280,7 @@
   <a:extraClrSchemeLst/>
   <a:extLst>
     <a:ext uri="{05A4C25C-085E-4340-85A3-A5531E510DB2}">
-      <thm15:themeFamily xmlns:thm15="http://schemas.microsoft.com/office/thememl/2012/main" name="Office Theme" id="{62F939B6-93AF-4DB8-9C6B-D6C7DFDC589F}" vid="{4A3C46E8-61CC-4603-A589-7422A47A8E4A}"/>
+      <thm15:themeFamily xmlns:thm15="http://schemas.microsoft.com/office/thememl/2012/main" xmlns="" name="Office Theme" id="{62F939B6-93AF-4DB8-9C6B-D6C7DFDC589F}" vid="{4A3C46E8-61CC-4603-A589-7422A47A8E4A}"/>
     </a:ext>
   </a:extLst>
 </a:theme>
